--- a/stock_learning_rnn/DL Final Presentation_v2.pptx
+++ b/stock_learning_rnn/DL Final Presentation_v2.pptx
@@ -192,7 +192,7 @@
       </p14:sectionLst>
     </p:ext>
     <p:ext uri="{EFAFB233-063F-42B5-8137-9DF3F51BA10A}">
-      <p15:sldGuideLst xmlns:p15="http://schemas.microsoft.com/office/powerpoint/2012/main" xmlns="">
+      <p15:sldGuideLst xmlns="" xmlns:p15="http://schemas.microsoft.com/office/powerpoint/2012/main">
         <p15:guide id="1" orient="horz" pos="3997" userDrawn="1">
           <p15:clr>
             <a:srgbClr val="A4A3A4"/>
@@ -266,7 +266,7 @@
       </p15:sldGuideLst>
     </p:ext>
     <p:ext uri="{2D200454-40CA-4A62-9FC3-DE9A4176ACB9}">
-      <p15:notesGuideLst xmlns:p15="http://schemas.microsoft.com/office/powerpoint/2012/main" xmlns="">
+      <p15:notesGuideLst xmlns="" xmlns:p15="http://schemas.microsoft.com/office/powerpoint/2012/main">
         <p15:guide id="1" orient="horz" pos="3128" userDrawn="1">
           <p15:clr>
             <a:srgbClr val="A4A3A4"/>
@@ -12545,15 +12545,7 @@
                 <a:ea typeface="맑은 고딕" panose="020B0503020000020004" pitchFamily="50" charset="-127"/>
                 <a:cs typeface="Arial" panose="020B0604020202020204" pitchFamily="34" charset="0"/>
               </a:rPr>
-              <a:t>Cl</a:t>
-            </a:r>
-            <a:r>
-              <a:rPr lang="en-US" altLang="ko-KR" sz="2000" b="1" dirty="0" smtClean="0">
-                <a:latin typeface="Arial" panose="020B0604020202020204" pitchFamily="34" charset="0"/>
-                <a:ea typeface="맑은 고딕" panose="020B0503020000020004" pitchFamily="50" charset="-127"/>
-                <a:cs typeface="Arial" panose="020B0604020202020204" pitchFamily="34" charset="0"/>
-              </a:rPr>
-              <a:t>ose, Open, High, Low, Volume </a:t>
+              <a:t>Close, Open, High, Low, Volume </a:t>
             </a:r>
             <a:r>
               <a:rPr lang="ko-KR" altLang="en-US" sz="2000" b="1" dirty="0" err="1" smtClean="0">
@@ -12642,15 +12634,7 @@
                 <a:ea typeface="맑은 고딕" panose="020B0503020000020004" pitchFamily="50" charset="-127"/>
                 <a:cs typeface="Arial" panose="020B0604020202020204" pitchFamily="34" charset="0"/>
               </a:rPr>
-              <a:t>나머지 </a:t>
-            </a:r>
-            <a:r>
-              <a:rPr lang="ko-KR" altLang="en-US" sz="2000" b="1" dirty="0" smtClean="0">
-                <a:latin typeface="Arial" panose="020B0604020202020204" pitchFamily="34" charset="0"/>
-                <a:ea typeface="맑은 고딕" panose="020B0503020000020004" pitchFamily="50" charset="-127"/>
-                <a:cs typeface="Arial" panose="020B0604020202020204" pitchFamily="34" charset="0"/>
-              </a:rPr>
-              <a:t>테스트 데이터</a:t>
+              <a:t>나머지 테스트 데이터</a:t>
             </a:r>
             <a:endParaRPr lang="en-US" altLang="ko-KR" sz="2000" b="1" dirty="0" smtClean="0">
               <a:latin typeface="Arial" panose="020B0604020202020204" pitchFamily="34" charset="0"/>
@@ -13291,13 +13275,7 @@
               <a:rPr lang="en-US" altLang="ko-KR" dirty="0" smtClean="0">
                 <a:cs typeface="Arial" panose="020B0604020202020204" pitchFamily="34" charset="0"/>
               </a:rPr>
-              <a:t>Modeling </a:t>
-            </a:r>
-            <a:r>
-              <a:rPr lang="en-US" altLang="ko-KR" dirty="0" smtClean="0">
-                <a:cs typeface="Arial" panose="020B0604020202020204" pitchFamily="34" charset="0"/>
-              </a:rPr>
-              <a:t> Point</a:t>
+              <a:t>Modeling  Point</a:t>
             </a:r>
             <a:endParaRPr lang="ko-KR" altLang="en-US" dirty="0">
               <a:cs typeface="Arial" panose="020B0604020202020204" pitchFamily="34" charset="0"/>
@@ -13672,15 +13650,7 @@
             </a:pPr>
             <a:r>
               <a:rPr lang="en-US" altLang="ko-KR" dirty="0"/>
-              <a:t>cells </a:t>
-            </a:r>
-            <a:r>
-              <a:rPr lang="en-US" altLang="ko-KR" dirty="0"/>
-              <a:t>=</a:t>
-            </a:r>
-            <a:r>
-              <a:rPr lang="en-US" altLang="ko-KR" dirty="0"/>
-              <a:t> [] </a:t>
+              <a:t>cells = [] </a:t>
             </a:r>
             <a:endParaRPr lang="en-US" altLang="ko-KR" dirty="0" smtClean="0"/>
           </a:p>
@@ -13756,35 +13726,11 @@
             </a:r>
             <a:r>
               <a:rPr lang="en-US" altLang="ko-KR" dirty="0"/>
-              <a:t>=</a:t>
-            </a:r>
-            <a:r>
-              <a:rPr lang="en-US" altLang="ko-KR" dirty="0"/>
-              <a:t> </a:t>
+              <a:t>= </a:t>
             </a:r>
             <a:r>
               <a:rPr lang="en-US" altLang="ko-KR" dirty="0" err="1"/>
-              <a:t>tf</a:t>
-            </a:r>
-            <a:r>
-              <a:rPr lang="en-US" altLang="ko-KR" dirty="0" err="1"/>
-              <a:t>.</a:t>
-            </a:r>
-            <a:r>
-              <a:rPr lang="en-US" altLang="ko-KR" dirty="0" err="1"/>
-              <a:t>contrib</a:t>
-            </a:r>
-            <a:r>
-              <a:rPr lang="en-US" altLang="ko-KR" dirty="0" err="1"/>
-              <a:t>.</a:t>
-            </a:r>
-            <a:r>
-              <a:rPr lang="en-US" altLang="ko-KR" dirty="0" err="1"/>
-              <a:t>rnn</a:t>
-            </a:r>
-            <a:r>
-              <a:rPr lang="en-US" altLang="ko-KR" dirty="0" err="1"/>
-              <a:t>.</a:t>
+              <a:t>tf.contrib.rnn.</a:t>
             </a:r>
             <a:r>
               <a:rPr lang="en-US" altLang="ko-KR" dirty="0" err="1">
@@ -13804,27 +13750,11 @@
             </a:r>
             <a:r>
               <a:rPr lang="en-US" altLang="ko-KR" dirty="0"/>
-              <a:t>=</a:t>
-            </a:r>
-            <a:r>
-              <a:rPr lang="en-US" altLang="ko-KR" dirty="0"/>
-              <a:t>n, activation</a:t>
-            </a:r>
-            <a:r>
-              <a:rPr lang="en-US" altLang="ko-KR" dirty="0"/>
-              <a:t>=</a:t>
+              <a:t>=n, activation=</a:t>
             </a:r>
             <a:r>
               <a:rPr lang="en-US" altLang="ko-KR" dirty="0" err="1"/>
-              <a:t>tf</a:t>
-            </a:r>
-            <a:r>
-              <a:rPr lang="en-US" altLang="ko-KR" dirty="0" err="1"/>
-              <a:t>.</a:t>
-            </a:r>
-            <a:r>
-              <a:rPr lang="en-US" altLang="ko-KR" dirty="0" err="1"/>
-              <a:t>tanh</a:t>
+              <a:t>tf.tanh</a:t>
             </a:r>
             <a:r>
               <a:rPr lang="en-US" altLang="ko-KR" dirty="0"/>
@@ -13868,35 +13798,11 @@
             </a:r>
             <a:r>
               <a:rPr lang="en-US" altLang="ko-KR" dirty="0"/>
-              <a:t>=</a:t>
-            </a:r>
-            <a:r>
-              <a:rPr lang="en-US" altLang="ko-KR" dirty="0"/>
-              <a:t> </a:t>
+              <a:t>= </a:t>
             </a:r>
             <a:r>
               <a:rPr lang="en-US" altLang="ko-KR" dirty="0" err="1"/>
-              <a:t>tf</a:t>
-            </a:r>
-            <a:r>
-              <a:rPr lang="en-US" altLang="ko-KR" dirty="0" err="1"/>
-              <a:t>.</a:t>
-            </a:r>
-            <a:r>
-              <a:rPr lang="en-US" altLang="ko-KR" dirty="0" err="1"/>
-              <a:t>contrib</a:t>
-            </a:r>
-            <a:r>
-              <a:rPr lang="en-US" altLang="ko-KR" dirty="0" err="1"/>
-              <a:t>.</a:t>
-            </a:r>
-            <a:r>
-              <a:rPr lang="en-US" altLang="ko-KR" dirty="0" err="1"/>
-              <a:t>rnn</a:t>
-            </a:r>
-            <a:r>
-              <a:rPr lang="en-US" altLang="ko-KR" dirty="0" err="1"/>
-              <a:t>.</a:t>
+              <a:t>tf.contrib.rnn.</a:t>
             </a:r>
             <a:r>
               <a:rPr lang="en-US" altLang="ko-KR" dirty="0" err="1">
@@ -14031,35 +13937,11 @@
             </a:r>
             <a:r>
               <a:rPr lang="en-US" altLang="ko-KR" dirty="0"/>
-              <a:t>=</a:t>
-            </a:r>
-            <a:r>
-              <a:rPr lang="en-US" altLang="ko-KR" dirty="0"/>
-              <a:t> </a:t>
+              <a:t>= </a:t>
             </a:r>
             <a:r>
               <a:rPr lang="en-US" altLang="ko-KR" dirty="0" err="1"/>
-              <a:t>tf</a:t>
-            </a:r>
-            <a:r>
-              <a:rPr lang="en-US" altLang="ko-KR" dirty="0" err="1"/>
-              <a:t>.</a:t>
-            </a:r>
-            <a:r>
-              <a:rPr lang="en-US" altLang="ko-KR" dirty="0" err="1"/>
-              <a:t>nn</a:t>
-            </a:r>
-            <a:r>
-              <a:rPr lang="en-US" altLang="ko-KR" dirty="0" err="1"/>
-              <a:t>.</a:t>
-            </a:r>
-            <a:r>
-              <a:rPr lang="en-US" altLang="ko-KR" dirty="0" err="1"/>
-              <a:t>rnn_cell</a:t>
-            </a:r>
-            <a:r>
-              <a:rPr lang="en-US" altLang="ko-KR" dirty="0" err="1"/>
-              <a:t>.</a:t>
+              <a:t>tf.nn.rnn_cell.</a:t>
             </a:r>
             <a:r>
               <a:rPr lang="en-US" altLang="ko-KR" dirty="0" err="1">
@@ -14099,35 +13981,11 @@
             </a:r>
             <a:r>
               <a:rPr lang="en-US" altLang="ko-KR" dirty="0"/>
-              <a:t>, _states </a:t>
-            </a:r>
-            <a:r>
-              <a:rPr lang="en-US" altLang="ko-KR" dirty="0"/>
-              <a:t>=</a:t>
-            </a:r>
-            <a:r>
-              <a:rPr lang="en-US" altLang="ko-KR" dirty="0"/>
-              <a:t> </a:t>
+              <a:t>, _states = </a:t>
             </a:r>
             <a:r>
               <a:rPr lang="en-US" altLang="ko-KR" dirty="0" err="1"/>
-              <a:t>tf</a:t>
-            </a:r>
-            <a:r>
-              <a:rPr lang="en-US" altLang="ko-KR" dirty="0" err="1"/>
-              <a:t>.</a:t>
-            </a:r>
-            <a:r>
-              <a:rPr lang="en-US" altLang="ko-KR" dirty="0" err="1"/>
-              <a:t>nn</a:t>
-            </a:r>
-            <a:r>
-              <a:rPr lang="en-US" altLang="ko-KR" dirty="0" err="1"/>
-              <a:t>.</a:t>
-            </a:r>
-            <a:r>
-              <a:rPr lang="en-US" altLang="ko-KR" dirty="0" err="1"/>
-              <a:t>dynamic_rnn</a:t>
+              <a:t>tf.nn.dynamic_rnn</a:t>
             </a:r>
             <a:r>
               <a:rPr lang="en-US" altLang="ko-KR" dirty="0"/>
@@ -14147,19 +14005,7 @@
             </a:r>
             <a:r>
               <a:rPr lang="en-US" altLang="ko-KR" dirty="0"/>
-              <a:t>=</a:t>
-            </a:r>
-            <a:r>
-              <a:rPr lang="en-US" altLang="ko-KR" dirty="0"/>
-              <a:t>tf</a:t>
-            </a:r>
-            <a:r>
-              <a:rPr lang="en-US" altLang="ko-KR" dirty="0"/>
-              <a:t>.</a:t>
-            </a:r>
-            <a:r>
-              <a:rPr lang="en-US" altLang="ko-KR" dirty="0"/>
-              <a:t>float32</a:t>
+              <a:t>=tf.float32</a:t>
             </a:r>
             <a:r>
               <a:rPr lang="en-US" altLang="ko-KR" dirty="0" smtClean="0"/>
@@ -14278,27 +14124,11 @@
             </a:r>
             <a:r>
               <a:rPr lang="en-US" altLang="ko-KR" dirty="0"/>
-              <a:t> </a:t>
-            </a:r>
-            <a:r>
-              <a:rPr lang="en-US" altLang="ko-KR" dirty="0"/>
-              <a:t>=</a:t>
-            </a:r>
-            <a:r>
-              <a:rPr lang="en-US" altLang="ko-KR" dirty="0"/>
-              <a:t> </a:t>
+              <a:t> = </a:t>
             </a:r>
             <a:r>
               <a:rPr lang="en-US" altLang="ko-KR" dirty="0" err="1"/>
-              <a:t>tf</a:t>
-            </a:r>
-            <a:r>
-              <a:rPr lang="en-US" altLang="ko-KR" dirty="0" err="1"/>
-              <a:t>.</a:t>
-            </a:r>
-            <a:r>
-              <a:rPr lang="en-US" altLang="ko-KR" dirty="0" err="1"/>
-              <a:t>cast</a:t>
+              <a:t>tf.cast</a:t>
             </a:r>
             <a:r>
               <a:rPr lang="en-US" altLang="ko-KR" dirty="0"/>
@@ -14306,15 +14136,7 @@
             </a:r>
             <a:r>
               <a:rPr lang="en-US" altLang="ko-KR" dirty="0" err="1"/>
-              <a:t>tf</a:t>
-            </a:r>
-            <a:r>
-              <a:rPr lang="en-US" altLang="ko-KR" dirty="0" err="1"/>
-              <a:t>.</a:t>
-            </a:r>
-            <a:r>
-              <a:rPr lang="en-US" altLang="ko-KR" dirty="0" err="1"/>
-              <a:t>not_equal</a:t>
+              <a:t>tf.not_equal</a:t>
             </a:r>
             <a:r>
               <a:rPr lang="en-US" altLang="ko-KR" dirty="0"/>
@@ -14322,15 +14144,7 @@
             </a:r>
             <a:r>
               <a:rPr lang="en-US" altLang="ko-KR" dirty="0" err="1"/>
-              <a:t>tf</a:t>
-            </a:r>
-            <a:r>
-              <a:rPr lang="en-US" altLang="ko-KR" dirty="0" err="1"/>
-              <a:t>.</a:t>
-            </a:r>
-            <a:r>
-              <a:rPr lang="en-US" altLang="ko-KR" dirty="0" err="1"/>
-              <a:t>sign</a:t>
+              <a:t>tf.sign</a:t>
             </a:r>
             <a:r>
               <a:rPr lang="en-US" altLang="ko-KR" dirty="0"/>
@@ -14342,23 +14156,11 @@
             </a:r>
             <a:r>
               <a:rPr lang="en-US" altLang="ko-KR" dirty="0"/>
-              <a:t>-</a:t>
-            </a:r>
-            <a:r>
-              <a:rPr lang="en-US" altLang="ko-KR" dirty="0"/>
-              <a:t>Y), </a:t>
+              <a:t>-Y), </a:t>
             </a:r>
             <a:r>
               <a:rPr lang="en-US" altLang="ko-KR" dirty="0" err="1"/>
-              <a:t>tf</a:t>
-            </a:r>
-            <a:r>
-              <a:rPr lang="en-US" altLang="ko-KR" dirty="0" err="1"/>
-              <a:t>.</a:t>
-            </a:r>
-            <a:r>
-              <a:rPr lang="en-US" altLang="ko-KR" dirty="0" err="1"/>
-              <a:t>sign</a:t>
+              <a:t>tf.sign</a:t>
             </a:r>
             <a:r>
               <a:rPr lang="en-US" altLang="ko-KR" dirty="0"/>
@@ -14366,11 +14168,27 @@
             </a:r>
             <a:r>
               <a:rPr lang="en-US" altLang="ko-KR" dirty="0" err="1"/>
-              <a:t>X_closes</a:t>
+              <a:t>X_closes-Y_pred</a:t>
+            </a:r>
+            <a:r>
+              <a:rPr lang="en-US" altLang="ko-KR" dirty="0"/>
+              <a:t>)), tf.float32) loss = </a:t>
             </a:r>
             <a:r>
               <a:rPr lang="en-US" altLang="ko-KR" dirty="0" err="1"/>
-              <a:t>-</a:t>
+              <a:t>tf.reduce_sum</a:t>
+            </a:r>
+            <a:r>
+              <a:rPr lang="en-US" altLang="ko-KR" dirty="0"/>
+              <a:t>(</a:t>
+            </a:r>
+            <a:r>
+              <a:rPr lang="en-US" altLang="ko-KR" dirty="0" err="1"/>
+              <a:t>tf.square</a:t>
+            </a:r>
+            <a:r>
+              <a:rPr lang="en-US" altLang="ko-KR" dirty="0"/>
+              <a:t>(</a:t>
             </a:r>
             <a:r>
               <a:rPr lang="en-US" altLang="ko-KR" dirty="0" err="1"/>
@@ -14378,79 +14196,7 @@
             </a:r>
             <a:r>
               <a:rPr lang="en-US" altLang="ko-KR" dirty="0"/>
-              <a:t>)), tf</a:t>
-            </a:r>
-            <a:r>
-              <a:rPr lang="en-US" altLang="ko-KR" dirty="0"/>
-              <a:t>.</a:t>
-            </a:r>
-            <a:r>
-              <a:rPr lang="en-US" altLang="ko-KR" dirty="0"/>
-              <a:t>float32) loss </a:t>
-            </a:r>
-            <a:r>
-              <a:rPr lang="en-US" altLang="ko-KR" dirty="0"/>
-              <a:t>=</a:t>
-            </a:r>
-            <a:r>
-              <a:rPr lang="en-US" altLang="ko-KR" dirty="0"/>
-              <a:t> </a:t>
-            </a:r>
-            <a:r>
-              <a:rPr lang="en-US" altLang="ko-KR" dirty="0" err="1"/>
-              <a:t>tf</a:t>
-            </a:r>
-            <a:r>
-              <a:rPr lang="en-US" altLang="ko-KR" dirty="0" err="1"/>
-              <a:t>.</a:t>
-            </a:r>
-            <a:r>
-              <a:rPr lang="en-US" altLang="ko-KR" dirty="0" err="1"/>
-              <a:t>reduce_sum</a:t>
-            </a:r>
-            <a:r>
-              <a:rPr lang="en-US" altLang="ko-KR" dirty="0"/>
-              <a:t>(</a:t>
-            </a:r>
-            <a:r>
-              <a:rPr lang="en-US" altLang="ko-KR" dirty="0" err="1"/>
-              <a:t>tf</a:t>
-            </a:r>
-            <a:r>
-              <a:rPr lang="en-US" altLang="ko-KR" dirty="0" err="1"/>
-              <a:t>.</a:t>
-            </a:r>
-            <a:r>
-              <a:rPr lang="en-US" altLang="ko-KR" dirty="0" err="1"/>
-              <a:t>square</a:t>
-            </a:r>
-            <a:r>
-              <a:rPr lang="en-US" altLang="ko-KR" dirty="0"/>
-              <a:t>(</a:t>
-            </a:r>
-            <a:r>
-              <a:rPr lang="en-US" altLang="ko-KR" dirty="0" err="1"/>
-              <a:t>Y_pred</a:t>
-            </a:r>
-            <a:r>
-              <a:rPr lang="en-US" altLang="ko-KR" dirty="0"/>
-              <a:t> </a:t>
-            </a:r>
-            <a:r>
-              <a:rPr lang="en-US" altLang="ko-KR" dirty="0"/>
-              <a:t>-</a:t>
-            </a:r>
-            <a:r>
-              <a:rPr lang="en-US" altLang="ko-KR" dirty="0"/>
-              <a:t> Y) </a:t>
-            </a:r>
-            <a:r>
-              <a:rPr lang="en-US" altLang="ko-KR" dirty="0"/>
-              <a:t>+</a:t>
-            </a:r>
-            <a:r>
-              <a:rPr lang="en-US" altLang="ko-KR" dirty="0"/>
-              <a:t> </a:t>
+              <a:t> - Y) + </a:t>
             </a:r>
             <a:r>
               <a:rPr lang="en-US" altLang="ko-KR" dirty="0" err="1"/>
@@ -15751,13 +15497,7 @@
               <a:rPr lang="en-US" altLang="ko-KR" dirty="0" smtClean="0">
                 <a:cs typeface="Arial" panose="020B0604020202020204" pitchFamily="34" charset="0"/>
               </a:rPr>
-              <a:t>Prediction  </a:t>
-            </a:r>
-            <a:r>
-              <a:rPr lang="en-US" altLang="ko-KR" dirty="0" smtClean="0">
-                <a:cs typeface="Arial" panose="020B0604020202020204" pitchFamily="34" charset="0"/>
-              </a:rPr>
-              <a:t>Plot</a:t>
+              <a:t>Prediction  Plot</a:t>
             </a:r>
             <a:endParaRPr lang="ko-KR" altLang="en-US" dirty="0">
               <a:cs typeface="Arial" panose="020B0604020202020204" pitchFamily="34" charset="0"/>
@@ -16256,7 +15996,55 @@
                 <a:ea typeface="맑은 고딕" panose="020B0503020000020004" pitchFamily="50" charset="-127"/>
                 <a:cs typeface="Arial" panose="020B0604020202020204" pitchFamily="34" charset="0"/>
               </a:rPr>
-              <a:t>동시에 모의 투자 실시</a:t>
+              <a:t>동시에 모의 투자 </a:t>
+            </a:r>
+            <a:r>
+              <a:rPr lang="ko-KR" altLang="en-US" sz="2000" b="1" dirty="0" smtClean="0">
+                <a:latin typeface="Arial" panose="020B0604020202020204" pitchFamily="34" charset="0"/>
+                <a:ea typeface="맑은 고딕" panose="020B0503020000020004" pitchFamily="50" charset="-127"/>
+                <a:cs typeface="Arial" panose="020B0604020202020204" pitchFamily="34" charset="0"/>
+              </a:rPr>
+              <a:t>실시</a:t>
+            </a:r>
+            <a:r>
+              <a:rPr lang="en-US" altLang="ko-KR" sz="2000" b="1" dirty="0" smtClean="0">
+                <a:latin typeface="Arial" panose="020B0604020202020204" pitchFamily="34" charset="0"/>
+                <a:ea typeface="맑은 고딕" panose="020B0503020000020004" pitchFamily="50" charset="-127"/>
+                <a:cs typeface="Arial" panose="020B0604020202020204" pitchFamily="34" charset="0"/>
+              </a:rPr>
+              <a:t>(</a:t>
+            </a:r>
+            <a:r>
+              <a:rPr lang="ko-KR" altLang="en-US" sz="2000" b="1" dirty="0" smtClean="0">
+                <a:latin typeface="Arial" panose="020B0604020202020204" pitchFamily="34" charset="0"/>
+                <a:ea typeface="맑은 고딕" panose="020B0503020000020004" pitchFamily="50" charset="-127"/>
+                <a:cs typeface="Arial" panose="020B0604020202020204" pitchFamily="34" charset="0"/>
+              </a:rPr>
+              <a:t>매매 수수료 </a:t>
+            </a:r>
+            <a:r>
+              <a:rPr lang="en-US" altLang="ko-KR" sz="2000" b="1" dirty="0" smtClean="0">
+                <a:latin typeface="Arial" panose="020B0604020202020204" pitchFamily="34" charset="0"/>
+                <a:ea typeface="맑은 고딕" panose="020B0503020000020004" pitchFamily="50" charset="-127"/>
+                <a:cs typeface="Arial" panose="020B0604020202020204" pitchFamily="34" charset="0"/>
+              </a:rPr>
+              <a:t>0.015%, </a:t>
+            </a:r>
+            <a:r>
+              <a:rPr lang="ko-KR" altLang="en-US" sz="2000" b="1" dirty="0" smtClean="0">
+                <a:latin typeface="Arial" panose="020B0604020202020204" pitchFamily="34" charset="0"/>
+                <a:ea typeface="맑은 고딕" panose="020B0503020000020004" pitchFamily="50" charset="-127"/>
+                <a:cs typeface="Arial" panose="020B0604020202020204" pitchFamily="34" charset="0"/>
+              </a:rPr>
+              <a:t>매도세금 </a:t>
+            </a:r>
+            <a:r>
+              <a:rPr lang="en-US" altLang="ko-KR" sz="2000" b="1" smtClean="0">
+                <a:latin typeface="Arial" panose="020B0604020202020204" pitchFamily="34" charset="0"/>
+                <a:ea typeface="맑은 고딕" panose="020B0503020000020004" pitchFamily="50" charset="-127"/>
+                <a:cs typeface="Arial" panose="020B0604020202020204" pitchFamily="34" charset="0"/>
+              </a:rPr>
+              <a:t>0.5%)</a:t>
             </a:r>
             <a:endParaRPr lang="en-US" altLang="ko-KR" sz="2000" b="1" dirty="0">
               <a:latin typeface="Arial" panose="020B0604020202020204" pitchFamily="34" charset="0"/>
